--- a/Day6/Ch08_RegressionAnalysis.pptx
+++ b/Day6/Ch08_RegressionAnalysis.pptx
@@ -285,7 +285,7 @@
               <a:rPr lang="en-US" dirty="0">
                 <a:latin typeface="Tahoma" pitchFamily="34" charset="0"/>
               </a:rPr>
-              <a:t>455DE: Spark for Data Engineers</a:t>
+              <a:t>Spark Program</a:t>
             </a:r>
           </a:p>
         </p:txBody>
@@ -344,7 +344,7 @@
                 <a:ea typeface="Tahoma" pitchFamily="34" charset="0"/>
                 <a:cs typeface="Tahoma" pitchFamily="34" charset="0"/>
               </a:rPr>
-              <a:t>Chapter 5</a:t>
+              <a:t>Chapter 8</a:t>
             </a:r>
           </a:p>
         </p:txBody>
@@ -734,7 +734,7 @@
                 </a:solidFill>
                 <a:latin typeface="Tahoma" pitchFamily="34" charset="0"/>
               </a:rPr>
-              <a:t>Chapter 5-</a:t>
+              <a:t>Chapter 8-</a:t>
             </a:r>
             <a:fld id="{9C58707A-6F60-4D20-8A8B-4F90B88EA4F7}" type="slidenum">
               <a:rPr lang="en-US" sz="1200" smtClean="0">
@@ -807,7 +807,7 @@
                 </a:solidFill>
                 <a:latin typeface="Tahoma" pitchFamily="34" charset="0"/>
               </a:rPr>
-              <a:t>455DE: Spark for Data Engineers</a:t>
+              <a:t>Spark Program</a:t>
             </a:r>
           </a:p>
         </p:txBody>
@@ -6898,7 +6898,7 @@
                 <a:ea typeface="Tahoma" panose="020B0604030504040204" pitchFamily="34" charset="0"/>
                 <a:cs typeface="Tahoma" panose="020B0604030504040204" pitchFamily="34" charset="0"/>
               </a:rPr>
-              <a:t>455DE: Spark for Data Engineers</a:t>
+              <a:t>Spark Program</a:t>
             </a:r>
           </a:p>
         </p:txBody>
@@ -6948,7 +6948,7 @@
                 </a:solidFill>
                 <a:latin typeface="Calibri" pitchFamily="34" charset="0"/>
               </a:rPr>
-              <a:t>5-</a:t>
+              <a:t>8-</a:t>
             </a:r>
             <a:fld id="{B722F7F8-9603-472A-A081-A1C5DB32BB89}" type="slidenum">
               <a:rPr lang="en-US" sz="1100" b="0" smtClean="0">
@@ -7529,7 +7529,7 @@
               <a:rPr lang="en-US" sz="3600" dirty="0">
                 <a:effectLst/>
               </a:rPr>
-              <a:t>Chapter 5: </a:t>
+              <a:t>Chapter 8: </a:t>
             </a:r>
             <a:br>
               <a:rPr lang="en-US" sz="3600" dirty="0">
@@ -7562,7 +7562,7 @@
           <a:p>
             <a:r>
               <a:rPr lang="en-US" dirty="0"/>
-              <a:t>Spark for Data Engineers</a:t>
+              <a:t>Spark Program</a:t>
             </a:r>
           </a:p>
         </p:txBody>
@@ -9511,100 +9511,72 @@
           <a:p>
             <a:pPr lvl="1"/>
             <a:r>
-              <a:rPr lang="en-US" dirty="0" err="1">
+              <a:rPr lang="en-US" dirty="0">
                 <a:latin typeface="Courier New" panose="02070309020205020404" pitchFamily="49" charset="0"/>
                 <a:cs typeface="Courier New" panose="02070309020205020404" pitchFamily="49" charset="0"/>
               </a:rPr>
               <a:t>LinearRegression</a:t>
             </a:r>
-            <a:endParaRPr lang="en-US" dirty="0">
-              <a:latin typeface="Courier New" panose="02070309020205020404" pitchFamily="49" charset="0"/>
-              <a:cs typeface="Courier New" panose="02070309020205020404" pitchFamily="49" charset="0"/>
-            </a:endParaRPr>
           </a:p>
           <a:p>
             <a:pPr lvl="1"/>
             <a:r>
-              <a:rPr lang="en-US" dirty="0" err="1">
+              <a:rPr lang="en-US" dirty="0">
                 <a:latin typeface="Courier New" panose="02070309020205020404" pitchFamily="49" charset="0"/>
                 <a:cs typeface="Courier New" panose="02070309020205020404" pitchFamily="49" charset="0"/>
               </a:rPr>
               <a:t>GeneralizedLinearRegression</a:t>
             </a:r>
-            <a:endParaRPr lang="en-US" dirty="0">
-              <a:latin typeface="Courier New" panose="02070309020205020404" pitchFamily="49" charset="0"/>
-              <a:cs typeface="Courier New" panose="02070309020205020404" pitchFamily="49" charset="0"/>
-            </a:endParaRPr>
           </a:p>
           <a:p>
             <a:pPr lvl="1"/>
             <a:r>
-              <a:rPr lang="en-US" dirty="0" err="1">
+              <a:rPr lang="en-US" dirty="0">
                 <a:latin typeface="Courier New" panose="02070309020205020404" pitchFamily="49" charset="0"/>
                 <a:cs typeface="Courier New" panose="02070309020205020404" pitchFamily="49" charset="0"/>
               </a:rPr>
               <a:t>DecisionTreeRegressor</a:t>
             </a:r>
-            <a:endParaRPr lang="en-US" dirty="0">
-              <a:latin typeface="Courier New" panose="02070309020205020404" pitchFamily="49" charset="0"/>
-              <a:cs typeface="Courier New" panose="02070309020205020404" pitchFamily="49" charset="0"/>
-            </a:endParaRPr>
           </a:p>
           <a:p>
             <a:pPr lvl="1"/>
             <a:r>
-              <a:rPr lang="en-US" dirty="0" err="1">
+              <a:rPr lang="en-US" dirty="0">
                 <a:latin typeface="Courier New" panose="02070309020205020404" pitchFamily="49" charset="0"/>
                 <a:cs typeface="Courier New" panose="02070309020205020404" pitchFamily="49" charset="0"/>
               </a:rPr>
               <a:t>RandomForestRegressor</a:t>
             </a:r>
-            <a:endParaRPr lang="en-US" dirty="0">
-              <a:latin typeface="Courier New" panose="02070309020205020404" pitchFamily="49" charset="0"/>
-              <a:cs typeface="Courier New" panose="02070309020205020404" pitchFamily="49" charset="0"/>
-            </a:endParaRPr>
           </a:p>
           <a:p>
             <a:pPr lvl="1"/>
             <a:r>
-              <a:rPr lang="en-US" dirty="0" err="1">
+              <a:rPr lang="en-US" dirty="0">
                 <a:latin typeface="Courier New" panose="02070309020205020404" pitchFamily="49" charset="0"/>
                 <a:cs typeface="Courier New" panose="02070309020205020404" pitchFamily="49" charset="0"/>
               </a:rPr>
               <a:t>GBTRegressor</a:t>
             </a:r>
-            <a:endParaRPr lang="en-US" dirty="0">
-              <a:latin typeface="Courier New" panose="02070309020205020404" pitchFamily="49" charset="0"/>
-              <a:cs typeface="Courier New" panose="02070309020205020404" pitchFamily="49" charset="0"/>
-            </a:endParaRPr>
           </a:p>
           <a:p>
             <a:pPr lvl="1"/>
             <a:r>
-              <a:rPr lang="en-US" dirty="0" err="1">
+              <a:rPr lang="en-US" dirty="0">
                 <a:latin typeface="Courier New" panose="02070309020205020404" pitchFamily="49" charset="0"/>
                 <a:cs typeface="Courier New" panose="02070309020205020404" pitchFamily="49" charset="0"/>
               </a:rPr>
               <a:t>AFTSurvivalRegression</a:t>
             </a:r>
-            <a:endParaRPr lang="en-US" dirty="0">
-              <a:latin typeface="Courier New" panose="02070309020205020404" pitchFamily="49" charset="0"/>
-              <a:cs typeface="Courier New" panose="02070309020205020404" pitchFamily="49" charset="0"/>
-            </a:endParaRPr>
           </a:p>
           <a:p>
             <a:pPr lvl="1"/>
             <a:r>
-              <a:rPr lang="en-US" dirty="0" err="1">
+              <a:rPr lang="en-US" dirty="0">
                 <a:latin typeface="Courier New" panose="02070309020205020404" pitchFamily="49" charset="0"/>
                 <a:cs typeface="Courier New" panose="02070309020205020404" pitchFamily="49" charset="0"/>
               </a:rPr>
               <a:t>IsotonicRegression</a:t>
             </a:r>
-            <a:endParaRPr lang="en-US" dirty="0">
-              <a:latin typeface="Courier New" panose="02070309020205020404" pitchFamily="49" charset="0"/>
-              <a:cs typeface="Courier New" panose="02070309020205020404" pitchFamily="49" charset="0"/>
-            </a:endParaRPr>
           </a:p>
         </p:txBody>
       </p:sp>
@@ -9759,176 +9731,51 @@
           <a:p>
             <a:r>
               <a:rPr lang="en-US" sz="1600" b="1" dirty="0"/>
-              <a:t>from </a:t>
-            </a:r>
-            <a:r>
-              <a:rPr lang="en-US" sz="1600" b="1" dirty="0" err="1"/>
-              <a:t>pyspark.ml.regression</a:t>
-            </a:r>
+              <a:t>from pyspark.ml.regression import LinearRegression</a:t>
+            </a:r>
+          </a:p>
+          <a:p>
             <a:r>
               <a:rPr lang="en-US" sz="1600" b="1" dirty="0"/>
-              <a:t> import </a:t>
-            </a:r>
-            <a:r>
-              <a:rPr lang="en-US" sz="1600" b="1" dirty="0" err="1"/>
-              <a:t>LinearRegression</a:t>
-            </a:r>
-            <a:endParaRPr lang="en-US" sz="1600" b="1" dirty="0"/>
-          </a:p>
-          <a:p>
-            <a:r>
-              <a:rPr lang="en-US" sz="1600" b="1" dirty="0" err="1"/>
-              <a:t>lr</a:t>
-            </a:r>
-            <a:r>
-              <a:rPr lang="en-US" sz="1600" b="1" dirty="0"/>
-              <a:t> = </a:t>
-            </a:r>
-            <a:r>
-              <a:rPr lang="en-US" sz="1600" b="1" dirty="0" err="1"/>
-              <a:t>LinearRegression</a:t>
-            </a:r>
-            <a:r>
-              <a:rPr lang="en-US" sz="1600" b="1" dirty="0"/>
-              <a:t>(</a:t>
-            </a:r>
-            <a:r>
-              <a:rPr lang="en-US" sz="1600" b="1" dirty="0" err="1"/>
-              <a:t>featuresCol</a:t>
-            </a:r>
-            <a:r>
-              <a:rPr lang="en-US" sz="1600" b="1" dirty="0"/>
-              <a:t> = 'features', </a:t>
-            </a:r>
-            <a:r>
-              <a:rPr lang="en-US" sz="1600" b="1" dirty="0" err="1"/>
-              <a:t>labelCol</a:t>
-            </a:r>
-            <a:r>
-              <a:rPr lang="en-US" sz="1600" b="1" dirty="0"/>
-              <a:t>='target', \</a:t>
+              <a:t>lr = LinearRegression(featuresCol = 'features', labelCol='target', \</a:t>
             </a:r>
             <a:br>
               <a:rPr lang="en-US" sz="1600" b="1" dirty="0"/>
             </a:br>
             <a:r>
               <a:rPr lang="en-US" sz="1600" b="1" dirty="0"/>
-              <a:t>     </a:t>
-            </a:r>
-            <a:r>
-              <a:rPr lang="en-US" sz="1600" b="1" dirty="0" err="1"/>
-              <a:t>maxIter</a:t>
-            </a:r>
+              <a:t>     maxIter=10, regParam=0.3, elasticNetParam=0.8)</a:t>
+            </a:r>
+          </a:p>
+          <a:p>
             <a:r>
               <a:rPr lang="en-US" sz="1600" b="1" dirty="0"/>
-              <a:t>=10, </a:t>
-            </a:r>
-            <a:r>
-              <a:rPr lang="en-US" sz="1600" b="1" dirty="0" err="1"/>
-              <a:t>regParam</a:t>
-            </a:r>
+              <a:t>lrModel = lr.fit(train)</a:t>
+            </a:r>
+          </a:p>
+          <a:p>
             <a:r>
               <a:rPr lang="en-US" sz="1600" b="1" dirty="0"/>
-              <a:t>=0.3, </a:t>
-            </a:r>
-            <a:r>
-              <a:rPr lang="en-US" sz="1600" b="1" dirty="0" err="1"/>
-              <a:t>elasticNetParam</a:t>
-            </a:r>
+              <a:t>print("Coefficients: " + str(lrModel.coefficients))</a:t>
+            </a:r>
+          </a:p>
+          <a:p>
             <a:r>
               <a:rPr lang="en-US" sz="1600" b="1" dirty="0"/>
-              <a:t>=0.8)</a:t>
-            </a:r>
-          </a:p>
-          <a:p>
-            <a:r>
-              <a:rPr lang="en-US" sz="1600" b="1" dirty="0" err="1"/>
-              <a:t>lrModel</a:t>
-            </a:r>
+              <a:t>print("Intercept: " + str(lrModel.intercept))</a:t>
+            </a:r>
+          </a:p>
+          <a:p>
             <a:r>
               <a:rPr lang="en-US" sz="1600" b="1" dirty="0"/>
-              <a:t> = </a:t>
-            </a:r>
-            <a:r>
-              <a:rPr lang="en-US" sz="1600" b="1" dirty="0" err="1"/>
-              <a:t>lr.fit</a:t>
-            </a:r>
-            <a:r>
-              <a:rPr lang="en-US" sz="1600" b="1" dirty="0"/>
-              <a:t>(train)</a:t>
-            </a:r>
-          </a:p>
-          <a:p>
-            <a:r>
-              <a:rPr lang="en-US" sz="1600" b="1" dirty="0"/>
-              <a:t>print("Coefficients: " + </a:t>
-            </a:r>
-            <a:r>
-              <a:rPr lang="en-US" sz="1600" b="1" dirty="0" err="1"/>
-              <a:t>str</a:t>
-            </a:r>
-            <a:r>
-              <a:rPr lang="en-US" sz="1600" b="1" dirty="0"/>
-              <a:t>(</a:t>
-            </a:r>
-            <a:r>
-              <a:rPr lang="en-US" sz="1600" b="1" dirty="0" err="1"/>
-              <a:t>lrModel.coefficients</a:t>
-            </a:r>
-            <a:r>
-              <a:rPr lang="en-US" sz="1600" b="1" dirty="0"/>
-              <a:t>))</a:t>
-            </a:r>
-          </a:p>
-          <a:p>
-            <a:r>
-              <a:rPr lang="en-US" sz="1600" b="1" dirty="0"/>
-              <a:t>print("Intercept: " + </a:t>
-            </a:r>
-            <a:r>
-              <a:rPr lang="en-US" sz="1600" b="1" dirty="0" err="1"/>
-              <a:t>str</a:t>
-            </a:r>
-            <a:r>
-              <a:rPr lang="en-US" sz="1600" b="1" dirty="0"/>
-              <a:t>(</a:t>
-            </a:r>
-            <a:r>
-              <a:rPr lang="en-US" sz="1600" b="1" dirty="0" err="1"/>
-              <a:t>lrModel.intercept</a:t>
-            </a:r>
-            <a:r>
-              <a:rPr lang="en-US" sz="1600" b="1" dirty="0"/>
-              <a:t>))</a:t>
-            </a:r>
-          </a:p>
-          <a:p>
-            <a:r>
-              <a:rPr lang="en-US" sz="1600" b="1" dirty="0"/>
-              <a:t>print("Root Mean Squared Error: {}\</a:t>
-            </a:r>
-            <a:r>
-              <a:rPr lang="en-US" sz="1600" b="1" dirty="0" err="1"/>
-              <a:t>nR</a:t>
-            </a:r>
-            <a:r>
-              <a:rPr lang="en-US" sz="1600" b="1" dirty="0"/>
-              <a:t> Squared (R2) {}" \</a:t>
+              <a:t>print("Root Mean Squared Error: {}\nR Squared (R2) {}" \</a:t>
             </a:r>
             <a:br>
               <a:rPr lang="en-US" sz="1600" b="1" dirty="0"/>
             </a:br>
             <a:r>
               <a:rPr lang="en-US" sz="1600" b="1" dirty="0"/>
-              <a:t>  .format(</a:t>
-            </a:r>
-            <a:r>
-              <a:rPr lang="en-US" sz="1600" b="1" dirty="0" err="1"/>
-              <a:t>lrModel.summary.rootMeanSquaredError</a:t>
-            </a:r>
-            <a:r>
-              <a:rPr lang="en-US" sz="1600" b="1" dirty="0"/>
-              <a:t>, lrModel.summary.r2))</a:t>
+              <a:t>  .format(lrModel.summary.rootMeanSquaredError, lrModel.summary.r2))</a:t>
             </a:r>
           </a:p>
         </p:txBody>
@@ -10135,106 +9982,37 @@
           </a:lstStyle>
           <a:p>
             <a:r>
-              <a:rPr lang="en-US" sz="1600" b="1" dirty="0" err="1"/>
-              <a:t>lrPredictions</a:t>
-            </a:r>
-            <a:r>
               <a:rPr lang="en-US" sz="1600" b="1" dirty="0"/>
-              <a:t> = </a:t>
-            </a:r>
-            <a:r>
-              <a:rPr lang="en-US" sz="1600" b="1" dirty="0" err="1"/>
-              <a:t>lrModel.transform</a:t>
-            </a:r>
+              <a:t>lrPredictions = lrModel.transform(test)</a:t>
+            </a:r>
+          </a:p>
+          <a:p>
             <a:r>
               <a:rPr lang="en-US" sz="1600" b="1" dirty="0"/>
-              <a:t>(test)</a:t>
+              <a:t>display(lrPredictions.select("prediction","target","features"), 30)</a:t>
             </a:r>
           </a:p>
           <a:p>
             <a:r>
               <a:rPr lang="en-US" sz="1600" b="1" dirty="0"/>
-              <a:t>display(</a:t>
-            </a:r>
-            <a:r>
-              <a:rPr lang="en-US" sz="1600" b="1" dirty="0" err="1"/>
-              <a:t>lrPredictions.select</a:t>
-            </a:r>
+              <a:t>from pyspark.ml.evaluation import RegressionEvaluator</a:t>
+            </a:r>
+          </a:p>
+          <a:p>
             <a:r>
               <a:rPr lang="en-US" sz="1600" b="1" dirty="0"/>
-              <a:t>("</a:t>
-            </a:r>
-            <a:r>
-              <a:rPr lang="en-US" sz="1600" b="1" dirty="0" err="1"/>
-              <a:t>prediction","target","features</a:t>
-            </a:r>
-            <a:r>
-              <a:rPr lang="en-US" sz="1600" b="1" dirty="0"/>
-              <a:t>"), 30)</a:t>
-            </a:r>
-          </a:p>
-          <a:p>
-            <a:r>
-              <a:rPr lang="en-US" sz="1600" b="1" dirty="0"/>
-              <a:t>from </a:t>
-            </a:r>
-            <a:r>
-              <a:rPr lang="en-US" sz="1600" b="1" dirty="0" err="1"/>
-              <a:t>pyspark.ml.evaluation</a:t>
-            </a:r>
-            <a:r>
-              <a:rPr lang="en-US" sz="1600" b="1" dirty="0"/>
-              <a:t> import </a:t>
-            </a:r>
-            <a:r>
-              <a:rPr lang="en-US" sz="1600" b="1" dirty="0" err="1"/>
-              <a:t>RegressionEvaluator</a:t>
-            </a:r>
-            <a:endParaRPr lang="en-US" sz="1600" b="1" dirty="0"/>
-          </a:p>
-          <a:p>
-            <a:r>
-              <a:rPr lang="en-US" sz="1600" b="1" dirty="0" err="1"/>
-              <a:t>lrEvaluator</a:t>
-            </a:r>
-            <a:r>
-              <a:rPr lang="en-US" sz="1600" b="1" dirty="0"/>
-              <a:t> = </a:t>
-            </a:r>
-            <a:r>
-              <a:rPr lang="en-US" sz="1600" b="1" dirty="0" err="1"/>
-              <a:t>RegressionEvaluator</a:t>
-            </a:r>
-            <a:r>
-              <a:rPr lang="en-US" sz="1600" b="1" dirty="0"/>
-              <a:t>(</a:t>
-            </a:r>
-            <a:r>
-              <a:rPr lang="en-US" sz="1600" b="1" dirty="0" err="1"/>
-              <a:t>predictionCol</a:t>
-            </a:r>
-            <a:r>
-              <a:rPr lang="en-US" sz="1600" b="1" dirty="0"/>
-              <a:t>="prediction", \</a:t>
+              <a:t>lrEvaluator = RegressionEvaluator(predictionCol="prediction", \</a:t>
             </a:r>
             <a:br>
               <a:rPr lang="en-US" sz="1600" b="1" dirty="0"/>
             </a:br>
             <a:r>
               <a:rPr lang="en-US" sz="1600" b="1" dirty="0"/>
-              <a:t>            </a:t>
+              <a:t>            labelCol="</a:t>
             </a:r>
             <a:r>
               <a:rPr lang="en-US" sz="1600" b="1" dirty="0" err="1"/>
-              <a:t>labelCol</a:t>
-            </a:r>
-            <a:r>
-              <a:rPr lang="en-US" sz="1600" b="1" dirty="0"/>
-              <a:t>="target",</a:t>
-            </a:r>
-            <a:r>
-              <a:rPr lang="en-US" sz="1600" b="1" dirty="0" err="1"/>
-              <a:t>metricName</a:t>
+              <a:t>target",metricName</a:t>
             </a:r>
             <a:r>
               <a:rPr lang="en-US" sz="1600" b="1" dirty="0"/>
@@ -10243,20 +10021,8 @@
           </a:p>
           <a:p>
             <a:r>
-              <a:rPr lang="en-US" sz="1600" b="1" dirty="0" err="1"/>
-              <a:t>testResult</a:t>
-            </a:r>
-            <a:r>
               <a:rPr lang="en-US" sz="1600" b="1" dirty="0"/>
-              <a:t> = </a:t>
-            </a:r>
-            <a:r>
-              <a:rPr lang="en-US" sz="1600" b="1" dirty="0" err="1"/>
-              <a:t>lrModel.evaluate</a:t>
-            </a:r>
-            <a:r>
-              <a:rPr lang="en-US" sz="1600" b="1" dirty="0"/>
-              <a:t>(test)</a:t>
+              <a:t>testResult = lrModel.evaluate(test)</a:t>
             </a:r>
           </a:p>
           <a:p>
@@ -10269,15 +10035,7 @@
             </a:br>
             <a:r>
               <a:rPr lang="en-US" sz="1600" b="1" dirty="0"/>
-              <a:t>            .format(</a:t>
-            </a:r>
-            <a:r>
-              <a:rPr lang="en-US" sz="1600" b="1" dirty="0" err="1"/>
-              <a:t>testResult.rootMeanSquaredError</a:t>
-            </a:r>
-            <a:r>
-              <a:rPr lang="en-US" sz="1600" b="1" dirty="0"/>
-              <a:t>))</a:t>
+              <a:t>            .format(testResult.rootMeanSquaredError))</a:t>
             </a:r>
           </a:p>
         </p:txBody>
@@ -11015,7 +10773,7 @@
           <a:p>
             <a:r>
               <a:rPr lang="en-US" dirty="0"/>
-              <a:t>Chapter Objectives</a:t>
+              <a:t>Chapter Summary</a:t>
             </a:r>
           </a:p>
         </p:txBody>
@@ -14176,6 +13934,21 @@
 </file>
 
 <file path=customXml/item1.xml><?xml version="1.0" encoding="utf-8"?>
+<p:properties xmlns:p="http://schemas.microsoft.com/office/2006/metadata/properties" xmlns:xsi="http://www.w3.org/2001/XMLSchema-instance" xmlns:pc="http://schemas.microsoft.com/office/infopath/2007/PartnerControls">
+  <documentManagement/>
+</p:properties>
+</file>
+
+<file path=customXml/item2.xml><?xml version="1.0" encoding="utf-8"?>
+<?mso-contentType ?>
+<FormTemplates xmlns="http://schemas.microsoft.com/sharepoint/v3/contenttype/forms">
+  <Display>DocumentLibraryForm</Display>
+  <Edit>DocumentLibraryForm</Edit>
+  <New>DocumentLibraryForm</New>
+</FormTemplates>
+</file>
+
+<file path=customXml/item3.xml><?xml version="1.0" encoding="utf-8"?>
 <ct:contentTypeSchema xmlns:ct="http://schemas.microsoft.com/office/2006/metadata/contentType" xmlns:ma="http://schemas.microsoft.com/office/2006/metadata/properties/metaAttributes" ct:_="" ma:_="" ma:contentTypeName="Document" ma:contentTypeID="0x0101004C58D7A746750E48B9E257CBBD401C71" ma:contentTypeVersion="5" ma:contentTypeDescription="Create a new document." ma:contentTypeScope="" ma:versionID="9b104746e7bcdc89d5c9d8909bc79033">
   <xsd:schema xmlns:xsd="http://www.w3.org/2001/XMLSchema" xmlns:xs="http://www.w3.org/2001/XMLSchema" xmlns:p="http://schemas.microsoft.com/office/2006/metadata/properties" xmlns:ns2="3f1ded34-099e-46dd-b0de-95a90e7e1e5f" targetNamespace="http://schemas.microsoft.com/office/2006/metadata/properties" ma:root="true" ma:fieldsID="39039af933a2d9dca5a96354c4c2b0ed" ns2:_="">
     <xsd:import namespace="3f1ded34-099e-46dd-b0de-95a90e7e1e5f"/>
@@ -14327,22 +14100,31 @@
 </ct:contentTypeSchema>
 </file>
 
-<file path=customXml/item2.xml><?xml version="1.0" encoding="utf-8"?>
-<p:properties xmlns:p="http://schemas.microsoft.com/office/2006/metadata/properties" xmlns:xsi="http://www.w3.org/2001/XMLSchema-instance" xmlns:pc="http://schemas.microsoft.com/office/infopath/2007/PartnerControls">
-  <documentManagement/>
-</p:properties>
+<file path=customXml/itemProps1.xml><?xml version="1.0" encoding="utf-8"?>
+<ds:datastoreItem xmlns:ds="http://schemas.openxmlformats.org/officeDocument/2006/customXml" ds:itemID="{F47B9207-CE5C-49AD-B414-15CBFA246D65}">
+  <ds:schemaRefs>
+    <ds:schemaRef ds:uri="http://purl.org/dc/elements/1.1/"/>
+    <ds:schemaRef ds:uri="http://purl.org/dc/terms/"/>
+    <ds:schemaRef ds:uri="http://purl.org/dc/dcmitype/"/>
+    <ds:schemaRef ds:uri="http://schemas.microsoft.com/office/infopath/2007/PartnerControls"/>
+    <ds:schemaRef ds:uri="http://schemas.microsoft.com/office/2006/documentManagement/types"/>
+    <ds:schemaRef ds:uri="http://schemas.openxmlformats.org/package/2006/metadata/core-properties"/>
+    <ds:schemaRef ds:uri="3f1ded34-099e-46dd-b0de-95a90e7e1e5f"/>
+    <ds:schemaRef ds:uri="http://schemas.microsoft.com/office/2006/metadata/properties"/>
+    <ds:schemaRef ds:uri="http://www.w3.org/XML/1998/namespace"/>
+  </ds:schemaRefs>
+</ds:datastoreItem>
 </file>
 
-<file path=customXml/item3.xml><?xml version="1.0" encoding="utf-8"?>
-<?mso-contentType ?>
-<FormTemplates xmlns="http://schemas.microsoft.com/sharepoint/v3/contenttype/forms">
-  <Display>DocumentLibraryForm</Display>
-  <Edit>DocumentLibraryForm</Edit>
-  <New>DocumentLibraryForm</New>
-</FormTemplates>
+<file path=customXml/itemProps2.xml><?xml version="1.0" encoding="utf-8"?>
+<ds:datastoreItem xmlns:ds="http://schemas.openxmlformats.org/officeDocument/2006/customXml" ds:itemID="{2DA015F3-603C-4688-A5F3-81D587DAB8C9}">
+  <ds:schemaRefs>
+    <ds:schemaRef ds:uri="http://schemas.microsoft.com/sharepoint/v3/contenttype/forms"/>
+  </ds:schemaRefs>
+</ds:datastoreItem>
 </file>
 
-<file path=customXml/itemProps1.xml><?xml version="1.0" encoding="utf-8"?>
+<file path=customXml/itemProps3.xml><?xml version="1.0" encoding="utf-8"?>
 <ds:datastoreItem xmlns:ds="http://schemas.openxmlformats.org/officeDocument/2006/customXml" ds:itemID="{6751EBC6-C433-43E6-8F46-C6D6D677BF51}">
   <ds:schemaRefs>
     <ds:schemaRef ds:uri="http://schemas.microsoft.com/office/2006/metadata/contentType"/>
@@ -14358,28 +14140,4 @@
     <ds:schemaRef ds:uri="http://schemas.microsoft.com/internal/obd"/>
   </ds:schemaRefs>
 </ds:datastoreItem>
-</file>
-
-<file path=customXml/itemProps2.xml><?xml version="1.0" encoding="utf-8"?>
-<ds:datastoreItem xmlns:ds="http://schemas.openxmlformats.org/officeDocument/2006/customXml" ds:itemID="{F47B9207-CE5C-49AD-B414-15CBFA246D65}">
-  <ds:schemaRefs>
-    <ds:schemaRef ds:uri="http://purl.org/dc/elements/1.1/"/>
-    <ds:schemaRef ds:uri="http://purl.org/dc/terms/"/>
-    <ds:schemaRef ds:uri="http://purl.org/dc/dcmitype/"/>
-    <ds:schemaRef ds:uri="http://schemas.microsoft.com/office/infopath/2007/PartnerControls"/>
-    <ds:schemaRef ds:uri="http://schemas.microsoft.com/office/2006/documentManagement/types"/>
-    <ds:schemaRef ds:uri="http://schemas.openxmlformats.org/package/2006/metadata/core-properties"/>
-    <ds:schemaRef ds:uri="3f1ded34-099e-46dd-b0de-95a90e7e1e5f"/>
-    <ds:schemaRef ds:uri="http://schemas.microsoft.com/office/2006/metadata/properties"/>
-    <ds:schemaRef ds:uri="http://www.w3.org/XML/1998/namespace"/>
-  </ds:schemaRefs>
-</ds:datastoreItem>
-</file>
-
-<file path=customXml/itemProps3.xml><?xml version="1.0" encoding="utf-8"?>
-<ds:datastoreItem xmlns:ds="http://schemas.openxmlformats.org/officeDocument/2006/customXml" ds:itemID="{2DA015F3-603C-4688-A5F3-81D587DAB8C9}">
-  <ds:schemaRefs>
-    <ds:schemaRef ds:uri="http://schemas.microsoft.com/sharepoint/v3/contenttype/forms"/>
-  </ds:schemaRefs>
-</ds:datastoreItem>
 </file>